--- a/Presentacion/HouseCoin.pptx
+++ b/Presentacion/HouseCoin.pptx
@@ -15,7 +15,6 @@
     <p:sldId id="264" r:id="rId9"/>
     <p:sldId id="263" r:id="rId10"/>
     <p:sldId id="265" r:id="rId11"/>
-    <p:sldId id="267" r:id="rId12"/>
   </p:sldIdLst>
   <p:sldSz cx="12192000" cy="6858000"/>
   <p:notesSz cx="6858000" cy="9144000"/>
@@ -114,6 +113,11 @@
       </a:defRPr>
     </a:lvl9pPr>
   </p:defaultTextStyle>
+  <p:extLst>
+    <p:ext uri="{EFAFB233-063F-42B5-8137-9DF3F51BA10A}">
+      <p15:sldGuideLst xmlns:p15="http://schemas.microsoft.com/office/powerpoint/2012/main"/>
+    </p:ext>
+  </p:extLst>
 </p:presentation>
 </file>
 
@@ -264,7 +268,7 @@
           <a:p>
             <a:fld id="{C019A998-F744-4685-B1F7-25DACA3B3F2D}" type="datetimeFigureOut">
               <a:rPr lang="es-ES" smtClean="0"/>
-              <a:t>16/05/2021</a:t>
+              <a:t>17/05/2021</a:t>
             </a:fld>
             <a:endParaRPr lang="es-ES"/>
           </a:p>
@@ -462,7 +466,7 @@
           <a:p>
             <a:fld id="{C019A998-F744-4685-B1F7-25DACA3B3F2D}" type="datetimeFigureOut">
               <a:rPr lang="es-ES" smtClean="0"/>
-              <a:t>16/05/2021</a:t>
+              <a:t>17/05/2021</a:t>
             </a:fld>
             <a:endParaRPr lang="es-ES"/>
           </a:p>
@@ -670,7 +674,7 @@
           <a:p>
             <a:fld id="{C019A998-F744-4685-B1F7-25DACA3B3F2D}" type="datetimeFigureOut">
               <a:rPr lang="es-ES" smtClean="0"/>
-              <a:t>16/05/2021</a:t>
+              <a:t>17/05/2021</a:t>
             </a:fld>
             <a:endParaRPr lang="es-ES"/>
           </a:p>
@@ -868,7 +872,7 @@
           <a:p>
             <a:fld id="{C019A998-F744-4685-B1F7-25DACA3B3F2D}" type="datetimeFigureOut">
               <a:rPr lang="es-ES" smtClean="0"/>
-              <a:t>16/05/2021</a:t>
+              <a:t>17/05/2021</a:t>
             </a:fld>
             <a:endParaRPr lang="es-ES"/>
           </a:p>
@@ -1143,7 +1147,7 @@
           <a:p>
             <a:fld id="{C019A998-F744-4685-B1F7-25DACA3B3F2D}" type="datetimeFigureOut">
               <a:rPr lang="es-ES" smtClean="0"/>
-              <a:t>16/05/2021</a:t>
+              <a:t>17/05/2021</a:t>
             </a:fld>
             <a:endParaRPr lang="es-ES"/>
           </a:p>
@@ -1408,7 +1412,7 @@
           <a:p>
             <a:fld id="{C019A998-F744-4685-B1F7-25DACA3B3F2D}" type="datetimeFigureOut">
               <a:rPr lang="es-ES" smtClean="0"/>
-              <a:t>16/05/2021</a:t>
+              <a:t>17/05/2021</a:t>
             </a:fld>
             <a:endParaRPr lang="es-ES"/>
           </a:p>
@@ -1820,7 +1824,7 @@
           <a:p>
             <a:fld id="{C019A998-F744-4685-B1F7-25DACA3B3F2D}" type="datetimeFigureOut">
               <a:rPr lang="es-ES" smtClean="0"/>
-              <a:t>16/05/2021</a:t>
+              <a:t>17/05/2021</a:t>
             </a:fld>
             <a:endParaRPr lang="es-ES"/>
           </a:p>
@@ -1961,7 +1965,7 @@
           <a:p>
             <a:fld id="{C019A998-F744-4685-B1F7-25DACA3B3F2D}" type="datetimeFigureOut">
               <a:rPr lang="es-ES" smtClean="0"/>
-              <a:t>16/05/2021</a:t>
+              <a:t>17/05/2021</a:t>
             </a:fld>
             <a:endParaRPr lang="es-ES"/>
           </a:p>
@@ -2074,7 +2078,7 @@
           <a:p>
             <a:fld id="{C019A998-F744-4685-B1F7-25DACA3B3F2D}" type="datetimeFigureOut">
               <a:rPr lang="es-ES" smtClean="0"/>
-              <a:t>16/05/2021</a:t>
+              <a:t>17/05/2021</a:t>
             </a:fld>
             <a:endParaRPr lang="es-ES"/>
           </a:p>
@@ -2385,7 +2389,7 @@
           <a:p>
             <a:fld id="{C019A998-F744-4685-B1F7-25DACA3B3F2D}" type="datetimeFigureOut">
               <a:rPr lang="es-ES" smtClean="0"/>
-              <a:t>16/05/2021</a:t>
+              <a:t>17/05/2021</a:t>
             </a:fld>
             <a:endParaRPr lang="es-ES"/>
           </a:p>
@@ -2673,7 +2677,7 @@
           <a:p>
             <a:fld id="{C019A998-F744-4685-B1F7-25DACA3B3F2D}" type="datetimeFigureOut">
               <a:rPr lang="es-ES" smtClean="0"/>
-              <a:t>16/05/2021</a:t>
+              <a:t>17/05/2021</a:t>
             </a:fld>
             <a:endParaRPr lang="es-ES"/>
           </a:p>
@@ -2914,7 +2918,7 @@
           <a:p>
             <a:fld id="{C019A998-F744-4685-B1F7-25DACA3B3F2D}" type="datetimeFigureOut">
               <a:rPr lang="es-ES" smtClean="0"/>
-              <a:t>16/05/2021</a:t>
+              <a:t>17/05/2021</a:t>
             </a:fld>
             <a:endParaRPr lang="es-ES"/>
           </a:p>
@@ -3341,10 +3345,10 @@
       </p:grpSpPr>
       <p:sp useBgFill="1">
         <p:nvSpPr>
-          <p:cNvPr id="137" name="Rectangle 136">
-            <a:extLst>
-              <a:ext uri="{FF2B5EF4-FFF2-40B4-BE49-F238E27FC236}">
-                <a16:creationId xmlns:a16="http://schemas.microsoft.com/office/drawing/2014/main" id="{C0A1ED06-4733-4020-9C60-81D4D801408D}"/>
+          <p:cNvPr id="192" name="Rectangle 191">
+            <a:extLst>
+              <a:ext uri="{FF2B5EF4-FFF2-40B4-BE49-F238E27FC236}">
+                <a16:creationId xmlns:a16="http://schemas.microsoft.com/office/drawing/2014/main" id="{C7F55EAC-550A-4BDD-9099-3F20B8FA0EBC}"/>
               </a:ext>
               <a:ext uri="{C183D7F6-B498-43B3-948B-1728B52AA6E4}">
                 <adec:decorative xmlns:adec="http://schemas.microsoft.com/office/drawing/2017/decorative" val="1"/>
@@ -3364,8 +3368,8 @@
         </p:nvSpPr>
         <p:spPr>
           <a:xfrm>
-            <a:off x="-1" y="0"/>
-            <a:ext cx="12188952" cy="6858000"/>
+            <a:off x="0" y="0"/>
+            <a:ext cx="12192000" cy="6858000"/>
           </a:xfrm>
           <a:prstGeom prst="rect">
             <a:avLst/>
@@ -3401,10 +3405,10 @@
       </p:sp>
       <p:sp>
         <p:nvSpPr>
-          <p:cNvPr id="139" name="Rectangle 138">
-            <a:extLst>
-              <a:ext uri="{FF2B5EF4-FFF2-40B4-BE49-F238E27FC236}">
-                <a16:creationId xmlns:a16="http://schemas.microsoft.com/office/drawing/2014/main" id="{B0CA3509-3AF9-45FE-93ED-57BB5D5E8E07}"/>
+          <p:cNvPr id="193" name="Freeform: Shape 192">
+            <a:extLst>
+              <a:ext uri="{FF2B5EF4-FFF2-40B4-BE49-F238E27FC236}">
+                <a16:creationId xmlns:a16="http://schemas.microsoft.com/office/drawing/2014/main" id="{DC4F5A5F-493F-49AE-89B6-D5AF5EBC8B0E}"/>
               </a:ext>
               <a:ext uri="{C183D7F6-B498-43B3-948B-1728B52AA6E4}">
                 <adec:decorative xmlns:adec="http://schemas.microsoft.com/office/drawing/2017/decorative" val="1"/>
@@ -3424,37 +3428,1209 @@
         </p:nvSpPr>
         <p:spPr>
           <a:xfrm>
-            <a:off x="187388" y="181576"/>
-            <a:ext cx="11823637" cy="6501088"/>
+            <a:off x="0" y="0"/>
+            <a:ext cx="12192000" cy="6858000"/>
           </a:xfrm>
-          <a:prstGeom prst="rect">
+          <a:custGeom>
             <a:avLst/>
-          </a:prstGeom>
+            <a:gdLst>
+              <a:gd name="connsiteX0" fmla="*/ 6724001 w 12192000"/>
+              <a:gd name="connsiteY0" fmla="*/ 434021 h 6858000"/>
+              <a:gd name="connsiteX1" fmla="*/ 6471155 w 12192000"/>
+              <a:gd name="connsiteY1" fmla="*/ 434599 h 6858000"/>
+              <a:gd name="connsiteX2" fmla="*/ 5384913 w 12192000"/>
+              <a:gd name="connsiteY2" fmla="*/ 497971 h 6858000"/>
+              <a:gd name="connsiteX3" fmla="*/ 4818280 w 12192000"/>
+              <a:gd name="connsiteY3" fmla="*/ 541802 h 6858000"/>
+              <a:gd name="connsiteX4" fmla="*/ 3965428 w 12192000"/>
+              <a:gd name="connsiteY4" fmla="*/ 675942 h 6858000"/>
+              <a:gd name="connsiteX5" fmla="*/ 3699528 w 12192000"/>
+              <a:gd name="connsiteY5" fmla="*/ 770472 h 6858000"/>
+              <a:gd name="connsiteX6" fmla="*/ 3438854 w 12192000"/>
+              <a:gd name="connsiteY6" fmla="*/ 834899 h 6858000"/>
+              <a:gd name="connsiteX7" fmla="*/ 3367443 w 12192000"/>
+              <a:gd name="connsiteY7" fmla="*/ 893518 h 6858000"/>
+              <a:gd name="connsiteX8" fmla="*/ 3467301 w 12192000"/>
+              <a:gd name="connsiteY8" fmla="*/ 953722 h 6858000"/>
+              <a:gd name="connsiteX9" fmla="*/ 3889955 w 12192000"/>
+              <a:gd name="connsiteY9" fmla="*/ 977486 h 6858000"/>
+              <a:gd name="connsiteX10" fmla="*/ 3502135 w 12192000"/>
+              <a:gd name="connsiteY10" fmla="*/ 1054062 h 6858000"/>
+              <a:gd name="connsiteX11" fmla="*/ 4072832 w 12192000"/>
+              <a:gd name="connsiteY11" fmla="*/ 1017622 h 6858000"/>
+              <a:gd name="connsiteX12" fmla="*/ 4244099 w 12192000"/>
+              <a:gd name="connsiteY12" fmla="*/ 1030825 h 6858000"/>
+              <a:gd name="connsiteX13" fmla="*/ 4095475 w 12192000"/>
+              <a:gd name="connsiteY13" fmla="*/ 1092084 h 6858000"/>
+              <a:gd name="connsiteX14" fmla="*/ 3327386 w 12192000"/>
+              <a:gd name="connsiteY14" fmla="*/ 1215660 h 6858000"/>
+              <a:gd name="connsiteX15" fmla="*/ 3254813 w 12192000"/>
+              <a:gd name="connsiteY15" fmla="*/ 1226749 h 6858000"/>
+              <a:gd name="connsiteX16" fmla="*/ 2776427 w 12192000"/>
+              <a:gd name="connsiteY16" fmla="*/ 1401552 h 6858000"/>
+              <a:gd name="connsiteX17" fmla="*/ 3063226 w 12192000"/>
+              <a:gd name="connsiteY17" fmla="*/ 1384124 h 6858000"/>
+              <a:gd name="connsiteX18" fmla="*/ 2754945 w 12192000"/>
+              <a:gd name="connsiteY18" fmla="*/ 1495025 h 6858000"/>
+              <a:gd name="connsiteX19" fmla="*/ 2381061 w 12192000"/>
+              <a:gd name="connsiteY19" fmla="*/ 1619658 h 6858000"/>
+              <a:gd name="connsiteX20" fmla="*/ 2008336 w 12192000"/>
+              <a:gd name="connsiteY20" fmla="*/ 1814527 h 6858000"/>
+              <a:gd name="connsiteX21" fmla="*/ 1740695 w 12192000"/>
+              <a:gd name="connsiteY21" fmla="*/ 1914337 h 6858000"/>
+              <a:gd name="connsiteX22" fmla="*/ 1787720 w 12192000"/>
+              <a:gd name="connsiteY22" fmla="*/ 1991970 h 6858000"/>
+              <a:gd name="connsiteX23" fmla="*/ 1754048 w 12192000"/>
+              <a:gd name="connsiteY23" fmla="*/ 2078049 h 6858000"/>
+              <a:gd name="connsiteX24" fmla="*/ 2228951 w 12192000"/>
+              <a:gd name="connsiteY24" fmla="*/ 1996721 h 6858000"/>
+              <a:gd name="connsiteX25" fmla="*/ 2054781 w 12192000"/>
+              <a:gd name="connsiteY25" fmla="*/ 2053228 h 6858000"/>
+              <a:gd name="connsiteX26" fmla="*/ 1985693 w 12192000"/>
+              <a:gd name="connsiteY26" fmla="*/ 2109207 h 6858000"/>
+              <a:gd name="connsiteX27" fmla="*/ 2061168 w 12192000"/>
+              <a:gd name="connsiteY27" fmla="*/ 2130859 h 6858000"/>
+              <a:gd name="connsiteX28" fmla="*/ 2388026 w 12192000"/>
+              <a:gd name="connsiteY28" fmla="*/ 2184726 h 6858000"/>
+              <a:gd name="connsiteX29" fmla="*/ 1560719 w 12192000"/>
+              <a:gd name="connsiteY29" fmla="*/ 2384876 h 6858000"/>
+              <a:gd name="connsiteX30" fmla="*/ 1679734 w 12192000"/>
+              <a:gd name="connsiteY30" fmla="*/ 2400191 h 6858000"/>
+              <a:gd name="connsiteX31" fmla="*/ 2882089 w 12192000"/>
+              <a:gd name="connsiteY31" fmla="*/ 2383292 h 6858000"/>
+              <a:gd name="connsiteX32" fmla="*/ 3116638 w 12192000"/>
+              <a:gd name="connsiteY32" fmla="*/ 2359528 h 6858000"/>
+              <a:gd name="connsiteX33" fmla="*/ 2897765 w 12192000"/>
+              <a:gd name="connsiteY33" fmla="*/ 2758243 h 6858000"/>
+              <a:gd name="connsiteX34" fmla="*/ 2981367 w 12192000"/>
+              <a:gd name="connsiteY34" fmla="*/ 2829008 h 6858000"/>
+              <a:gd name="connsiteX35" fmla="*/ 2682955 w 12192000"/>
+              <a:gd name="connsiteY35" fmla="*/ 2846436 h 6858000"/>
+              <a:gd name="connsiteX36" fmla="*/ 2099485 w 12192000"/>
+              <a:gd name="connsiteY36" fmla="*/ 3066653 h 6858000"/>
+              <a:gd name="connsiteX37" fmla="*/ 1807460 w 12192000"/>
+              <a:gd name="connsiteY37" fmla="*/ 3454808 h 6858000"/>
+              <a:gd name="connsiteX38" fmla="*/ 1921251 w 12192000"/>
+              <a:gd name="connsiteY38" fmla="*/ 3540889 h 6858000"/>
+              <a:gd name="connsiteX39" fmla="*/ 1453313 w 12192000"/>
+              <a:gd name="connsiteY39" fmla="*/ 3637002 h 6858000"/>
+              <a:gd name="connsiteX40" fmla="*/ 1686122 w 12192000"/>
+              <a:gd name="connsiteY40" fmla="*/ 3667634 h 6858000"/>
+              <a:gd name="connsiteX41" fmla="*/ 1513692 w 12192000"/>
+              <a:gd name="connsiteY41" fmla="*/ 3725196 h 6858000"/>
+              <a:gd name="connsiteX42" fmla="*/ 1369711 w 12192000"/>
+              <a:gd name="connsiteY42" fmla="*/ 3826063 h 6858000"/>
+              <a:gd name="connsiteX43" fmla="*/ 2051298 w 12192000"/>
+              <a:gd name="connsiteY43" fmla="*/ 3754242 h 6858000"/>
+              <a:gd name="connsiteX44" fmla="*/ 2245207 w 12192000"/>
+              <a:gd name="connsiteY44" fmla="*/ 3797018 h 6858000"/>
+              <a:gd name="connsiteX45" fmla="*/ 2353192 w 12192000"/>
+              <a:gd name="connsiteY45" fmla="*/ 3796489 h 6858000"/>
+              <a:gd name="connsiteX46" fmla="*/ 2490207 w 12192000"/>
+              <a:gd name="connsiteY46" fmla="*/ 3801242 h 6858000"/>
+              <a:gd name="connsiteX47" fmla="*/ 2375835 w 12192000"/>
+              <a:gd name="connsiteY47" fmla="*/ 3839794 h 6858000"/>
+              <a:gd name="connsiteX48" fmla="*/ 2522138 w 12192000"/>
+              <a:gd name="connsiteY48" fmla="*/ 4009841 h 6858000"/>
+              <a:gd name="connsiteX49" fmla="*/ 1998466 w 12192000"/>
+              <a:gd name="connsiteY49" fmla="*/ 4130778 h 6858000"/>
+              <a:gd name="connsiteX50" fmla="*/ 2114580 w 12192000"/>
+              <a:gd name="connsiteY50" fmla="*/ 4154543 h 6858000"/>
+              <a:gd name="connsiteX51" fmla="*/ 2177862 w 12192000"/>
+              <a:gd name="connsiteY51" fmla="*/ 4189925 h 6858000"/>
+              <a:gd name="connsiteX52" fmla="*/ 1868419 w 12192000"/>
+              <a:gd name="connsiteY52" fmla="*/ 4382153 h 6858000"/>
+              <a:gd name="connsiteX53" fmla="*/ 2279460 w 12192000"/>
+              <a:gd name="connsiteY53" fmla="*/ 4356805 h 6858000"/>
+              <a:gd name="connsiteX54" fmla="*/ 2029817 w 12192000"/>
+              <a:gd name="connsiteY54" fmla="*/ 4468235 h 6858000"/>
+              <a:gd name="connsiteX55" fmla="*/ 1560137 w 12192000"/>
+              <a:gd name="connsiteY55" fmla="*/ 4730172 h 6858000"/>
+              <a:gd name="connsiteX56" fmla="*/ 1956664 w 12192000"/>
+              <a:gd name="connsiteY56" fmla="*/ 4820477 h 6858000"/>
+              <a:gd name="connsiteX57" fmla="*/ 3268168 w 12192000"/>
+              <a:gd name="connsiteY57" fmla="*/ 4852692 h 6858000"/>
+              <a:gd name="connsiteX58" fmla="*/ 2807197 w 12192000"/>
+              <a:gd name="connsiteY58" fmla="*/ 4939300 h 6858000"/>
+              <a:gd name="connsiteX59" fmla="*/ 2721272 w 12192000"/>
+              <a:gd name="connsiteY59" fmla="*/ 4970458 h 6858000"/>
+              <a:gd name="connsiteX60" fmla="*/ 2802552 w 12192000"/>
+              <a:gd name="connsiteY60" fmla="*/ 5014291 h 6858000"/>
+              <a:gd name="connsiteX61" fmla="*/ 2537812 w 12192000"/>
+              <a:gd name="connsiteY61" fmla="*/ 5053898 h 6858000"/>
+              <a:gd name="connsiteX62" fmla="*/ 2569744 w 12192000"/>
+              <a:gd name="connsiteY62" fmla="*/ 5153182 h 6858000"/>
+              <a:gd name="connsiteX63" fmla="*/ 1987436 w 12192000"/>
+              <a:gd name="connsiteY63" fmla="*/ 5334320 h 6858000"/>
+              <a:gd name="connsiteX64" fmla="*/ 1972921 w 12192000"/>
+              <a:gd name="connsiteY64" fmla="*/ 5382376 h 6858000"/>
+              <a:gd name="connsiteX65" fmla="*/ 2341001 w 12192000"/>
+              <a:gd name="connsiteY65" fmla="*/ 5360725 h 6858000"/>
+              <a:gd name="connsiteX66" fmla="*/ 2710822 w 12192000"/>
+              <a:gd name="connsiteY66" fmla="*/ 5418816 h 6858000"/>
+              <a:gd name="connsiteX67" fmla="*/ 2833903 w 12192000"/>
+              <a:gd name="connsiteY67" fmla="*/ 5413007 h 6858000"/>
+              <a:gd name="connsiteX68" fmla="*/ 3011556 w 12192000"/>
+              <a:gd name="connsiteY68" fmla="*/ 5399276 h 6858000"/>
+              <a:gd name="connsiteX69" fmla="*/ 3254233 w 12192000"/>
+              <a:gd name="connsiteY69" fmla="*/ 5439412 h 6858000"/>
+              <a:gd name="connsiteX70" fmla="*/ 2792101 w 12192000"/>
+              <a:gd name="connsiteY70" fmla="*/ 5471625 h 6858000"/>
+              <a:gd name="connsiteX71" fmla="*/ 2977303 w 12192000"/>
+              <a:gd name="connsiteY71" fmla="*/ 5539751 h 6858000"/>
+              <a:gd name="connsiteX72" fmla="*/ 3656566 w 12192000"/>
+              <a:gd name="connsiteY72" fmla="*/ 5678642 h 6858000"/>
+              <a:gd name="connsiteX73" fmla="*/ 4858340 w 12192000"/>
+              <a:gd name="connsiteY73" fmla="*/ 5969625 h 6858000"/>
+              <a:gd name="connsiteX74" fmla="*/ 5296668 w 12192000"/>
+              <a:gd name="connsiteY74" fmla="*/ 6043559 h 6858000"/>
+              <a:gd name="connsiteX75" fmla="*/ 5456323 w 12192000"/>
+              <a:gd name="connsiteY75" fmla="*/ 6042502 h 6858000"/>
+              <a:gd name="connsiteX76" fmla="*/ 5267058 w 12192000"/>
+              <a:gd name="connsiteY76" fmla="*/ 6100066 h 6858000"/>
+              <a:gd name="connsiteX77" fmla="*/ 7095266 w 12192000"/>
+              <a:gd name="connsiteY77" fmla="*/ 6287541 h 6858000"/>
+              <a:gd name="connsiteX78" fmla="*/ 9707235 w 12192000"/>
+              <a:gd name="connsiteY78" fmla="*/ 5994446 h 6858000"/>
+              <a:gd name="connsiteX79" fmla="*/ 10083442 w 12192000"/>
+              <a:gd name="connsiteY79" fmla="*/ 5678642 h 6858000"/>
+              <a:gd name="connsiteX80" fmla="*/ 10338892 w 12192000"/>
+              <a:gd name="connsiteY80" fmla="*/ 4650957 h 6858000"/>
+              <a:gd name="connsiteX81" fmla="*/ 10628013 w 12192000"/>
+              <a:gd name="connsiteY81" fmla="*/ 4411198 h 6858000"/>
+              <a:gd name="connsiteX82" fmla="*/ 10802766 w 12192000"/>
+              <a:gd name="connsiteY82" fmla="*/ 4258050 h 6858000"/>
+              <a:gd name="connsiteX83" fmla="*/ 10614662 w 12192000"/>
+              <a:gd name="connsiteY83" fmla="*/ 4150318 h 6858000"/>
+              <a:gd name="connsiteX84" fmla="*/ 10681427 w 12192000"/>
+              <a:gd name="connsiteY84" fmla="*/ 4054203 h 6858000"/>
+              <a:gd name="connsiteX85" fmla="*/ 10520029 w 12192000"/>
+              <a:gd name="connsiteY85" fmla="*/ 3804411 h 6858000"/>
+              <a:gd name="connsiteX86" fmla="*/ 10568798 w 12192000"/>
+              <a:gd name="connsiteY86" fmla="*/ 3466426 h 6858000"/>
+              <a:gd name="connsiteX87" fmla="*/ 10499709 w 12192000"/>
+              <a:gd name="connsiteY87" fmla="*/ 3166465 h 6858000"/>
+              <a:gd name="connsiteX88" fmla="*/ 10489840 w 12192000"/>
+              <a:gd name="connsiteY88" fmla="*/ 2546475 h 6858000"/>
+              <a:gd name="connsiteX89" fmla="*/ 10584471 w 12192000"/>
+              <a:gd name="connsiteY89" fmla="*/ 2512148 h 6858000"/>
+              <a:gd name="connsiteX90" fmla="*/ 10695942 w 12192000"/>
+              <a:gd name="connsiteY90" fmla="*/ 2358471 h 6858000"/>
+              <a:gd name="connsiteX91" fmla="*/ 10732516 w 12192000"/>
+              <a:gd name="connsiteY91" fmla="*/ 2287706 h 6858000"/>
+              <a:gd name="connsiteX92" fmla="*/ 10731357 w 12192000"/>
+              <a:gd name="connsiteY92" fmla="*/ 2137725 h 6858000"/>
+              <a:gd name="connsiteX93" fmla="*/ 10678525 w 12192000"/>
+              <a:gd name="connsiteY93" fmla="*/ 2070656 h 6858000"/>
+              <a:gd name="connsiteX94" fmla="*/ 10735999 w 12192000"/>
+              <a:gd name="connsiteY94" fmla="*/ 1956587 h 6858000"/>
+              <a:gd name="connsiteX95" fmla="*/ 10824246 w 12192000"/>
+              <a:gd name="connsiteY95" fmla="*/ 1862584 h 6858000"/>
+              <a:gd name="connsiteX96" fmla="*/ 10773156 w 12192000"/>
+              <a:gd name="connsiteY96" fmla="*/ 1768054 h 6858000"/>
+              <a:gd name="connsiteX97" fmla="*/ 10716261 w 12192000"/>
+              <a:gd name="connsiteY97" fmla="*/ 1678278 h 6858000"/>
+              <a:gd name="connsiteX98" fmla="*/ 10554864 w 12192000"/>
+              <a:gd name="connsiteY98" fmla="*/ 1477599 h 6858000"/>
+              <a:gd name="connsiteX99" fmla="*/ 10267483 w 12192000"/>
+              <a:gd name="connsiteY99" fmla="*/ 1324977 h 6858000"/>
+              <a:gd name="connsiteX100" fmla="*/ 9913337 w 12192000"/>
+              <a:gd name="connsiteY100" fmla="*/ 1202458 h 6858000"/>
+              <a:gd name="connsiteX101" fmla="*/ 10024805 w 12192000"/>
+              <a:gd name="connsiteY101" fmla="*/ 1124827 h 6858000"/>
+              <a:gd name="connsiteX102" fmla="*/ 9411726 w 12192000"/>
+              <a:gd name="connsiteY102" fmla="*/ 980655 h 6858000"/>
+              <a:gd name="connsiteX103" fmla="*/ 9930753 w 12192000"/>
+              <a:gd name="connsiteY103" fmla="*/ 901968 h 6858000"/>
+              <a:gd name="connsiteX104" fmla="*/ 9894178 w 12192000"/>
+              <a:gd name="connsiteY104" fmla="*/ 871339 h 6858000"/>
+              <a:gd name="connsiteX105" fmla="*/ 9858182 w 12192000"/>
+              <a:gd name="connsiteY105" fmla="*/ 839125 h 6858000"/>
+              <a:gd name="connsiteX106" fmla="*/ 10131050 w 12192000"/>
+              <a:gd name="connsiteY106" fmla="*/ 792652 h 6858000"/>
+              <a:gd name="connsiteX107" fmla="*/ 10006808 w 12192000"/>
+              <a:gd name="connsiteY107" fmla="*/ 731920 h 6858000"/>
+              <a:gd name="connsiteX108" fmla="*/ 10233809 w 12192000"/>
+              <a:gd name="connsiteY108" fmla="*/ 710268 h 6858000"/>
+              <a:gd name="connsiteX109" fmla="*/ 10267483 w 12192000"/>
+              <a:gd name="connsiteY109" fmla="*/ 628940 h 6858000"/>
+              <a:gd name="connsiteX110" fmla="*/ 10136275 w 12192000"/>
+              <a:gd name="connsiteY110" fmla="*/ 589333 h 6858000"/>
+              <a:gd name="connsiteX111" fmla="*/ 9131312 w 12192000"/>
+              <a:gd name="connsiteY111" fmla="*/ 480544 h 6858000"/>
+              <a:gd name="connsiteX112" fmla="*/ 7479600 w 12192000"/>
+              <a:gd name="connsiteY112" fmla="*/ 454667 h 6858000"/>
+              <a:gd name="connsiteX113" fmla="*/ 6724001 w 12192000"/>
+              <a:gd name="connsiteY113" fmla="*/ 434021 h 6858000"/>
+              <a:gd name="connsiteX114" fmla="*/ 0 w 12192000"/>
+              <a:gd name="connsiteY114" fmla="*/ 0 h 6858000"/>
+              <a:gd name="connsiteX115" fmla="*/ 12192000 w 12192000"/>
+              <a:gd name="connsiteY115" fmla="*/ 0 h 6858000"/>
+              <a:gd name="connsiteX116" fmla="*/ 12192000 w 12192000"/>
+              <a:gd name="connsiteY116" fmla="*/ 6858000 h 6858000"/>
+              <a:gd name="connsiteX117" fmla="*/ 0 w 12192000"/>
+              <a:gd name="connsiteY117" fmla="*/ 6858000 h 6858000"/>
+            </a:gdLst>
+            <a:ahLst/>
+            <a:cxnLst>
+              <a:cxn ang="0">
+                <a:pos x="connsiteX0" y="connsiteY0"/>
+              </a:cxn>
+              <a:cxn ang="0">
+                <a:pos x="connsiteX1" y="connsiteY1"/>
+              </a:cxn>
+              <a:cxn ang="0">
+                <a:pos x="connsiteX2" y="connsiteY2"/>
+              </a:cxn>
+              <a:cxn ang="0">
+                <a:pos x="connsiteX3" y="connsiteY3"/>
+              </a:cxn>
+              <a:cxn ang="0">
+                <a:pos x="connsiteX4" y="connsiteY4"/>
+              </a:cxn>
+              <a:cxn ang="0">
+                <a:pos x="connsiteX5" y="connsiteY5"/>
+              </a:cxn>
+              <a:cxn ang="0">
+                <a:pos x="connsiteX6" y="connsiteY6"/>
+              </a:cxn>
+              <a:cxn ang="0">
+                <a:pos x="connsiteX7" y="connsiteY7"/>
+              </a:cxn>
+              <a:cxn ang="0">
+                <a:pos x="connsiteX8" y="connsiteY8"/>
+              </a:cxn>
+              <a:cxn ang="0">
+                <a:pos x="connsiteX9" y="connsiteY9"/>
+              </a:cxn>
+              <a:cxn ang="0">
+                <a:pos x="connsiteX10" y="connsiteY10"/>
+              </a:cxn>
+              <a:cxn ang="0">
+                <a:pos x="connsiteX11" y="connsiteY11"/>
+              </a:cxn>
+              <a:cxn ang="0">
+                <a:pos x="connsiteX12" y="connsiteY12"/>
+              </a:cxn>
+              <a:cxn ang="0">
+                <a:pos x="connsiteX13" y="connsiteY13"/>
+              </a:cxn>
+              <a:cxn ang="0">
+                <a:pos x="connsiteX14" y="connsiteY14"/>
+              </a:cxn>
+              <a:cxn ang="0">
+                <a:pos x="connsiteX15" y="connsiteY15"/>
+              </a:cxn>
+              <a:cxn ang="0">
+                <a:pos x="connsiteX16" y="connsiteY16"/>
+              </a:cxn>
+              <a:cxn ang="0">
+                <a:pos x="connsiteX17" y="connsiteY17"/>
+              </a:cxn>
+              <a:cxn ang="0">
+                <a:pos x="connsiteX18" y="connsiteY18"/>
+              </a:cxn>
+              <a:cxn ang="0">
+                <a:pos x="connsiteX19" y="connsiteY19"/>
+              </a:cxn>
+              <a:cxn ang="0">
+                <a:pos x="connsiteX20" y="connsiteY20"/>
+              </a:cxn>
+              <a:cxn ang="0">
+                <a:pos x="connsiteX21" y="connsiteY21"/>
+              </a:cxn>
+              <a:cxn ang="0">
+                <a:pos x="connsiteX22" y="connsiteY22"/>
+              </a:cxn>
+              <a:cxn ang="0">
+                <a:pos x="connsiteX23" y="connsiteY23"/>
+              </a:cxn>
+              <a:cxn ang="0">
+                <a:pos x="connsiteX24" y="connsiteY24"/>
+              </a:cxn>
+              <a:cxn ang="0">
+                <a:pos x="connsiteX25" y="connsiteY25"/>
+              </a:cxn>
+              <a:cxn ang="0">
+                <a:pos x="connsiteX26" y="connsiteY26"/>
+              </a:cxn>
+              <a:cxn ang="0">
+                <a:pos x="connsiteX27" y="connsiteY27"/>
+              </a:cxn>
+              <a:cxn ang="0">
+                <a:pos x="connsiteX28" y="connsiteY28"/>
+              </a:cxn>
+              <a:cxn ang="0">
+                <a:pos x="connsiteX29" y="connsiteY29"/>
+              </a:cxn>
+              <a:cxn ang="0">
+                <a:pos x="connsiteX30" y="connsiteY30"/>
+              </a:cxn>
+              <a:cxn ang="0">
+                <a:pos x="connsiteX31" y="connsiteY31"/>
+              </a:cxn>
+              <a:cxn ang="0">
+                <a:pos x="connsiteX32" y="connsiteY32"/>
+              </a:cxn>
+              <a:cxn ang="0">
+                <a:pos x="connsiteX33" y="connsiteY33"/>
+              </a:cxn>
+              <a:cxn ang="0">
+                <a:pos x="connsiteX34" y="connsiteY34"/>
+              </a:cxn>
+              <a:cxn ang="0">
+                <a:pos x="connsiteX35" y="connsiteY35"/>
+              </a:cxn>
+              <a:cxn ang="0">
+                <a:pos x="connsiteX36" y="connsiteY36"/>
+              </a:cxn>
+              <a:cxn ang="0">
+                <a:pos x="connsiteX37" y="connsiteY37"/>
+              </a:cxn>
+              <a:cxn ang="0">
+                <a:pos x="connsiteX38" y="connsiteY38"/>
+              </a:cxn>
+              <a:cxn ang="0">
+                <a:pos x="connsiteX39" y="connsiteY39"/>
+              </a:cxn>
+              <a:cxn ang="0">
+                <a:pos x="connsiteX40" y="connsiteY40"/>
+              </a:cxn>
+              <a:cxn ang="0">
+                <a:pos x="connsiteX41" y="connsiteY41"/>
+              </a:cxn>
+              <a:cxn ang="0">
+                <a:pos x="connsiteX42" y="connsiteY42"/>
+              </a:cxn>
+              <a:cxn ang="0">
+                <a:pos x="connsiteX43" y="connsiteY43"/>
+              </a:cxn>
+              <a:cxn ang="0">
+                <a:pos x="connsiteX44" y="connsiteY44"/>
+              </a:cxn>
+              <a:cxn ang="0">
+                <a:pos x="connsiteX45" y="connsiteY45"/>
+              </a:cxn>
+              <a:cxn ang="0">
+                <a:pos x="connsiteX46" y="connsiteY46"/>
+              </a:cxn>
+              <a:cxn ang="0">
+                <a:pos x="connsiteX47" y="connsiteY47"/>
+              </a:cxn>
+              <a:cxn ang="0">
+                <a:pos x="connsiteX48" y="connsiteY48"/>
+              </a:cxn>
+              <a:cxn ang="0">
+                <a:pos x="connsiteX49" y="connsiteY49"/>
+              </a:cxn>
+              <a:cxn ang="0">
+                <a:pos x="connsiteX50" y="connsiteY50"/>
+              </a:cxn>
+              <a:cxn ang="0">
+                <a:pos x="connsiteX51" y="connsiteY51"/>
+              </a:cxn>
+              <a:cxn ang="0">
+                <a:pos x="connsiteX52" y="connsiteY52"/>
+              </a:cxn>
+              <a:cxn ang="0">
+                <a:pos x="connsiteX53" y="connsiteY53"/>
+              </a:cxn>
+              <a:cxn ang="0">
+                <a:pos x="connsiteX54" y="connsiteY54"/>
+              </a:cxn>
+              <a:cxn ang="0">
+                <a:pos x="connsiteX55" y="connsiteY55"/>
+              </a:cxn>
+              <a:cxn ang="0">
+                <a:pos x="connsiteX56" y="connsiteY56"/>
+              </a:cxn>
+              <a:cxn ang="0">
+                <a:pos x="connsiteX57" y="connsiteY57"/>
+              </a:cxn>
+              <a:cxn ang="0">
+                <a:pos x="connsiteX58" y="connsiteY58"/>
+              </a:cxn>
+              <a:cxn ang="0">
+                <a:pos x="connsiteX59" y="connsiteY59"/>
+              </a:cxn>
+              <a:cxn ang="0">
+                <a:pos x="connsiteX60" y="connsiteY60"/>
+              </a:cxn>
+              <a:cxn ang="0">
+                <a:pos x="connsiteX61" y="connsiteY61"/>
+              </a:cxn>
+              <a:cxn ang="0">
+                <a:pos x="connsiteX62" y="connsiteY62"/>
+              </a:cxn>
+              <a:cxn ang="0">
+                <a:pos x="connsiteX63" y="connsiteY63"/>
+              </a:cxn>
+              <a:cxn ang="0">
+                <a:pos x="connsiteX64" y="connsiteY64"/>
+              </a:cxn>
+              <a:cxn ang="0">
+                <a:pos x="connsiteX65" y="connsiteY65"/>
+              </a:cxn>
+              <a:cxn ang="0">
+                <a:pos x="connsiteX66" y="connsiteY66"/>
+              </a:cxn>
+              <a:cxn ang="0">
+                <a:pos x="connsiteX67" y="connsiteY67"/>
+              </a:cxn>
+              <a:cxn ang="0">
+                <a:pos x="connsiteX68" y="connsiteY68"/>
+              </a:cxn>
+              <a:cxn ang="0">
+                <a:pos x="connsiteX69" y="connsiteY69"/>
+              </a:cxn>
+              <a:cxn ang="0">
+                <a:pos x="connsiteX70" y="connsiteY70"/>
+              </a:cxn>
+              <a:cxn ang="0">
+                <a:pos x="connsiteX71" y="connsiteY71"/>
+              </a:cxn>
+              <a:cxn ang="0">
+                <a:pos x="connsiteX72" y="connsiteY72"/>
+              </a:cxn>
+              <a:cxn ang="0">
+                <a:pos x="connsiteX73" y="connsiteY73"/>
+              </a:cxn>
+              <a:cxn ang="0">
+                <a:pos x="connsiteX74" y="connsiteY74"/>
+              </a:cxn>
+              <a:cxn ang="0">
+                <a:pos x="connsiteX75" y="connsiteY75"/>
+              </a:cxn>
+              <a:cxn ang="0">
+                <a:pos x="connsiteX76" y="connsiteY76"/>
+              </a:cxn>
+              <a:cxn ang="0">
+                <a:pos x="connsiteX77" y="connsiteY77"/>
+              </a:cxn>
+              <a:cxn ang="0">
+                <a:pos x="connsiteX78" y="connsiteY78"/>
+              </a:cxn>
+              <a:cxn ang="0">
+                <a:pos x="connsiteX79" y="connsiteY79"/>
+              </a:cxn>
+              <a:cxn ang="0">
+                <a:pos x="connsiteX80" y="connsiteY80"/>
+              </a:cxn>
+              <a:cxn ang="0">
+                <a:pos x="connsiteX81" y="connsiteY81"/>
+              </a:cxn>
+              <a:cxn ang="0">
+                <a:pos x="connsiteX82" y="connsiteY82"/>
+              </a:cxn>
+              <a:cxn ang="0">
+                <a:pos x="connsiteX83" y="connsiteY83"/>
+              </a:cxn>
+              <a:cxn ang="0">
+                <a:pos x="connsiteX84" y="connsiteY84"/>
+              </a:cxn>
+              <a:cxn ang="0">
+                <a:pos x="connsiteX85" y="connsiteY85"/>
+              </a:cxn>
+              <a:cxn ang="0">
+                <a:pos x="connsiteX86" y="connsiteY86"/>
+              </a:cxn>
+              <a:cxn ang="0">
+                <a:pos x="connsiteX87" y="connsiteY87"/>
+              </a:cxn>
+              <a:cxn ang="0">
+                <a:pos x="connsiteX88" y="connsiteY88"/>
+              </a:cxn>
+              <a:cxn ang="0">
+                <a:pos x="connsiteX89" y="connsiteY89"/>
+              </a:cxn>
+              <a:cxn ang="0">
+                <a:pos x="connsiteX90" y="connsiteY90"/>
+              </a:cxn>
+              <a:cxn ang="0">
+                <a:pos x="connsiteX91" y="connsiteY91"/>
+              </a:cxn>
+              <a:cxn ang="0">
+                <a:pos x="connsiteX92" y="connsiteY92"/>
+              </a:cxn>
+              <a:cxn ang="0">
+                <a:pos x="connsiteX93" y="connsiteY93"/>
+              </a:cxn>
+              <a:cxn ang="0">
+                <a:pos x="connsiteX94" y="connsiteY94"/>
+              </a:cxn>
+              <a:cxn ang="0">
+                <a:pos x="connsiteX95" y="connsiteY95"/>
+              </a:cxn>
+              <a:cxn ang="0">
+                <a:pos x="connsiteX96" y="connsiteY96"/>
+              </a:cxn>
+              <a:cxn ang="0">
+                <a:pos x="connsiteX97" y="connsiteY97"/>
+              </a:cxn>
+              <a:cxn ang="0">
+                <a:pos x="connsiteX98" y="connsiteY98"/>
+              </a:cxn>
+              <a:cxn ang="0">
+                <a:pos x="connsiteX99" y="connsiteY99"/>
+              </a:cxn>
+              <a:cxn ang="0">
+                <a:pos x="connsiteX100" y="connsiteY100"/>
+              </a:cxn>
+              <a:cxn ang="0">
+                <a:pos x="connsiteX101" y="connsiteY101"/>
+              </a:cxn>
+              <a:cxn ang="0">
+                <a:pos x="connsiteX102" y="connsiteY102"/>
+              </a:cxn>
+              <a:cxn ang="0">
+                <a:pos x="connsiteX103" y="connsiteY103"/>
+              </a:cxn>
+              <a:cxn ang="0">
+                <a:pos x="connsiteX104" y="connsiteY104"/>
+              </a:cxn>
+              <a:cxn ang="0">
+                <a:pos x="connsiteX105" y="connsiteY105"/>
+              </a:cxn>
+              <a:cxn ang="0">
+                <a:pos x="connsiteX106" y="connsiteY106"/>
+              </a:cxn>
+              <a:cxn ang="0">
+                <a:pos x="connsiteX107" y="connsiteY107"/>
+              </a:cxn>
+              <a:cxn ang="0">
+                <a:pos x="connsiteX108" y="connsiteY108"/>
+              </a:cxn>
+              <a:cxn ang="0">
+                <a:pos x="connsiteX109" y="connsiteY109"/>
+              </a:cxn>
+              <a:cxn ang="0">
+                <a:pos x="connsiteX110" y="connsiteY110"/>
+              </a:cxn>
+              <a:cxn ang="0">
+                <a:pos x="connsiteX111" y="connsiteY111"/>
+              </a:cxn>
+              <a:cxn ang="0">
+                <a:pos x="connsiteX112" y="connsiteY112"/>
+              </a:cxn>
+              <a:cxn ang="0">
+                <a:pos x="connsiteX113" y="connsiteY113"/>
+              </a:cxn>
+              <a:cxn ang="0">
+                <a:pos x="connsiteX114" y="connsiteY114"/>
+              </a:cxn>
+              <a:cxn ang="0">
+                <a:pos x="connsiteX115" y="connsiteY115"/>
+              </a:cxn>
+              <a:cxn ang="0">
+                <a:pos x="connsiteX116" y="connsiteY116"/>
+              </a:cxn>
+              <a:cxn ang="0">
+                <a:pos x="connsiteX117" y="connsiteY117"/>
+              </a:cxn>
+            </a:cxnLst>
+            <a:rect l="l" t="t" r="r" b="b"/>
+            <a:pathLst>
+              <a:path w="12192000" h="6858000">
+                <a:moveTo>
+                  <a:pt x="6724001" y="434021"/>
+                </a:moveTo>
+                <a:cubicBezTo>
+                  <a:pt x="6639882" y="433113"/>
+                  <a:pt x="6555627" y="433147"/>
+                  <a:pt x="6471155" y="434599"/>
+                </a:cubicBezTo>
+                <a:cubicBezTo>
+                  <a:pt x="6109461" y="440937"/>
+                  <a:pt x="5748349" y="439351"/>
+                  <a:pt x="5384913" y="497971"/>
+                </a:cubicBezTo>
+                <a:cubicBezTo>
+                  <a:pt x="5199132" y="528072"/>
+                  <a:pt x="5005803" y="518038"/>
+                  <a:pt x="4818280" y="541802"/>
+                </a:cubicBezTo>
+                <a:cubicBezTo>
+                  <a:pt x="4532641" y="578242"/>
+                  <a:pt x="4247003" y="621019"/>
+                  <a:pt x="3965428" y="675942"/>
+                </a:cubicBezTo>
+                <a:cubicBezTo>
+                  <a:pt x="3877181" y="693369"/>
+                  <a:pt x="3768034" y="703930"/>
+                  <a:pt x="3699528" y="770472"/>
+                </a:cubicBezTo>
+                <a:cubicBezTo>
+                  <a:pt x="3590961" y="728224"/>
+                  <a:pt x="3523617" y="807966"/>
+                  <a:pt x="3438854" y="834899"/>
+                </a:cubicBezTo>
+                <a:cubicBezTo>
+                  <a:pt x="3405761" y="845462"/>
+                  <a:pt x="3362218" y="860248"/>
+                  <a:pt x="3367443" y="893518"/>
+                </a:cubicBezTo>
+                <a:cubicBezTo>
+                  <a:pt x="3372089" y="935238"/>
+                  <a:pt x="3420855" y="962172"/>
+                  <a:pt x="3467301" y="953722"/>
+                </a:cubicBezTo>
+                <a:cubicBezTo>
+                  <a:pt x="3611863" y="927317"/>
+                  <a:pt x="3741328" y="986464"/>
+                  <a:pt x="3889955" y="977486"/>
+                </a:cubicBezTo>
+                <a:cubicBezTo>
+                  <a:pt x="3760488" y="1002836"/>
+                  <a:pt x="3631601" y="1028713"/>
+                  <a:pt x="3502135" y="1054062"/>
+                </a:cubicBezTo>
+                <a:cubicBezTo>
+                  <a:pt x="3694303" y="1074129"/>
+                  <a:pt x="3883568" y="1038218"/>
+                  <a:pt x="4072832" y="1017622"/>
+                </a:cubicBezTo>
+                <a:cubicBezTo>
+                  <a:pt x="4133792" y="1011285"/>
+                  <a:pt x="4228424" y="962699"/>
+                  <a:pt x="4244099" y="1030825"/>
+                </a:cubicBezTo>
+                <a:cubicBezTo>
+                  <a:pt x="4254550" y="1076242"/>
+                  <a:pt x="4152951" y="1079410"/>
+                  <a:pt x="4095475" y="1092084"/>
+                </a:cubicBezTo>
+                <a:cubicBezTo>
+                  <a:pt x="3841766" y="1146479"/>
+                  <a:pt x="3583994" y="1178165"/>
+                  <a:pt x="3327386" y="1215660"/>
+                </a:cubicBezTo>
+                <a:cubicBezTo>
+                  <a:pt x="3303001" y="1219357"/>
+                  <a:pt x="3271070" y="1216188"/>
+                  <a:pt x="3254813" y="1226749"/>
+                </a:cubicBezTo>
+                <a:cubicBezTo>
+                  <a:pt x="3123605" y="1311774"/>
+                  <a:pt x="2957563" y="1339765"/>
+                  <a:pt x="2776427" y="1401552"/>
+                </a:cubicBezTo>
+                <a:cubicBezTo>
+                  <a:pt x="2890798" y="1430598"/>
+                  <a:pt x="2968012" y="1370921"/>
+                  <a:pt x="3063226" y="1384124"/>
+                </a:cubicBezTo>
+                <a:cubicBezTo>
+                  <a:pt x="2966272" y="1448024"/>
+                  <a:pt x="2853641" y="1460171"/>
+                  <a:pt x="2754945" y="1495025"/>
+                </a:cubicBezTo>
+                <a:cubicBezTo>
+                  <a:pt x="2684117" y="1519846"/>
+                  <a:pt x="2421119" y="1597477"/>
+                  <a:pt x="2381061" y="1619658"/>
+                </a:cubicBezTo>
+                <a:cubicBezTo>
+                  <a:pt x="2260302" y="1688311"/>
+                  <a:pt x="2107033" y="1720525"/>
+                  <a:pt x="2008336" y="1814527"/>
+                </a:cubicBezTo>
+                <a:cubicBezTo>
+                  <a:pt x="1938668" y="1880540"/>
+                  <a:pt x="1822554" y="1868393"/>
+                  <a:pt x="1740695" y="1914337"/>
+                </a:cubicBezTo>
+                <a:cubicBezTo>
+                  <a:pt x="1711667" y="1957642"/>
+                  <a:pt x="1767982" y="1968733"/>
+                  <a:pt x="1787720" y="1991970"/>
+                </a:cubicBezTo>
+                <a:cubicBezTo>
+                  <a:pt x="1813846" y="2023126"/>
+                  <a:pt x="1767401" y="2040555"/>
+                  <a:pt x="1754048" y="2078049"/>
+                </a:cubicBezTo>
+                <a:cubicBezTo>
+                  <a:pt x="1907898" y="2035802"/>
+                  <a:pt x="2054781" y="2010981"/>
+                  <a:pt x="2228951" y="1996721"/>
+                </a:cubicBezTo>
+                <a:cubicBezTo>
+                  <a:pt x="2171475" y="2057452"/>
+                  <a:pt x="2101807" y="2031048"/>
+                  <a:pt x="2054781" y="2053228"/>
+                </a:cubicBezTo>
+                <a:cubicBezTo>
+                  <a:pt x="2024011" y="2067487"/>
+                  <a:pt x="1976984" y="2073824"/>
+                  <a:pt x="1985693" y="2109207"/>
+                </a:cubicBezTo>
+                <a:cubicBezTo>
+                  <a:pt x="1992660" y="2137196"/>
+                  <a:pt x="2032140" y="2133500"/>
+                  <a:pt x="2061168" y="2130859"/>
+                </a:cubicBezTo>
+                <a:cubicBezTo>
+                  <a:pt x="2172636" y="2120825"/>
+                  <a:pt x="2281202" y="2117656"/>
+                  <a:pt x="2388026" y="2184726"/>
+                </a:cubicBezTo>
+                <a:cubicBezTo>
+                  <a:pt x="2116321" y="2282425"/>
+                  <a:pt x="1803977" y="2241233"/>
+                  <a:pt x="1560719" y="2384876"/>
+                </a:cubicBezTo>
+                <a:cubicBezTo>
+                  <a:pt x="1594973" y="2429237"/>
+                  <a:pt x="1643739" y="2405472"/>
+                  <a:pt x="1679734" y="2400191"/>
+                </a:cubicBezTo>
+                <a:cubicBezTo>
+                  <a:pt x="1916026" y="2364279"/>
+                  <a:pt x="2760170" y="2428180"/>
+                  <a:pt x="2882089" y="2383292"/>
+                </a:cubicBezTo>
+                <a:cubicBezTo>
+                  <a:pt x="2956983" y="2355830"/>
+                  <a:pt x="3035941" y="2342628"/>
+                  <a:pt x="3116638" y="2359528"/>
+                </a:cubicBezTo>
+                <a:cubicBezTo>
+                  <a:pt x="3194434" y="2375898"/>
+                  <a:pt x="3174696" y="2605622"/>
+                  <a:pt x="2897765" y="2758243"/>
+                </a:cubicBezTo>
+                <a:cubicBezTo>
+                  <a:pt x="2858286" y="2779895"/>
+                  <a:pt x="3034779" y="2811053"/>
+                  <a:pt x="2981367" y="2829008"/>
+                </a:cubicBezTo>
+                <a:cubicBezTo>
+                  <a:pt x="2939566" y="2843267"/>
+                  <a:pt x="2734626" y="2835346"/>
+                  <a:pt x="2682955" y="2846436"/>
+                </a:cubicBezTo>
+                <a:cubicBezTo>
+                  <a:pt x="2662635" y="2851188"/>
+                  <a:pt x="2040267" y="3029159"/>
+                  <a:pt x="2099485" y="3066653"/>
+                </a:cubicBezTo>
+                <a:cubicBezTo>
+                  <a:pt x="2276558" y="3179139"/>
+                  <a:pt x="2869897" y="3385098"/>
+                  <a:pt x="1807460" y="3454808"/>
+                </a:cubicBezTo>
+                <a:cubicBezTo>
+                  <a:pt x="1841132" y="3495472"/>
+                  <a:pt x="1934024" y="3469596"/>
+                  <a:pt x="1921251" y="3540889"/>
+                </a:cubicBezTo>
+                <a:cubicBezTo>
+                  <a:pt x="1780173" y="3579440"/>
+                  <a:pt x="1617035" y="3577328"/>
+                  <a:pt x="1453313" y="3637002"/>
+                </a:cubicBezTo>
+                <a:cubicBezTo>
+                  <a:pt x="1527047" y="3680307"/>
+                  <a:pt x="1611808" y="3653902"/>
+                  <a:pt x="1686122" y="3667634"/>
+                </a:cubicBezTo>
+                <a:cubicBezTo>
+                  <a:pt x="1644320" y="3722027"/>
+                  <a:pt x="1572330" y="3713578"/>
+                  <a:pt x="1513692" y="3725196"/>
+                </a:cubicBezTo>
+                <a:cubicBezTo>
+                  <a:pt x="1459700" y="3736286"/>
+                  <a:pt x="1345329" y="3830816"/>
+                  <a:pt x="1369711" y="3826063"/>
+                </a:cubicBezTo>
+                <a:cubicBezTo>
+                  <a:pt x="1595553" y="3783815"/>
+                  <a:pt x="1824877" y="3795434"/>
+                  <a:pt x="2051298" y="3754242"/>
+                </a:cubicBezTo>
+                <a:cubicBezTo>
+                  <a:pt x="2126192" y="3740511"/>
+                  <a:pt x="2210955" y="3714106"/>
+                  <a:pt x="2245207" y="3797018"/>
+                </a:cubicBezTo>
+                <a:cubicBezTo>
+                  <a:pt x="2255659" y="3821310"/>
+                  <a:pt x="2248109" y="3829232"/>
+                  <a:pt x="2353192" y="3796489"/>
+                </a:cubicBezTo>
+                <a:cubicBezTo>
+                  <a:pt x="2394414" y="3783815"/>
+                  <a:pt x="2448988" y="3770085"/>
+                  <a:pt x="2490207" y="3801242"/>
+                </a:cubicBezTo>
+                <a:cubicBezTo>
+                  <a:pt x="2464082" y="3840321"/>
+                  <a:pt x="2413572" y="3828703"/>
+                  <a:pt x="2375835" y="3839794"/>
+                </a:cubicBezTo>
+                <a:cubicBezTo>
+                  <a:pt x="2275978" y="3868311"/>
+                  <a:pt x="2619094" y="3977100"/>
+                  <a:pt x="2522138" y="4009841"/>
+                </a:cubicBezTo>
+                <a:cubicBezTo>
+                  <a:pt x="2323584" y="4076912"/>
+                  <a:pt x="2199343" y="4057372"/>
+                  <a:pt x="1998466" y="4130778"/>
+                </a:cubicBezTo>
+                <a:cubicBezTo>
+                  <a:pt x="2066973" y="4129192"/>
+                  <a:pt x="2046072" y="4154543"/>
+                  <a:pt x="2114580" y="4154543"/>
+                </a:cubicBezTo>
+                <a:cubicBezTo>
+                  <a:pt x="2145350" y="4154543"/>
+                  <a:pt x="2177862" y="4160878"/>
+                  <a:pt x="2177862" y="4189925"/>
+                </a:cubicBezTo>
+                <a:cubicBezTo>
+                  <a:pt x="2177862" y="4217385"/>
+                  <a:pt x="1817330" y="4367895"/>
+                  <a:pt x="1868419" y="4382153"/>
+                </a:cubicBezTo>
+                <a:cubicBezTo>
+                  <a:pt x="2007755" y="4420704"/>
+                  <a:pt x="2365385" y="4302410"/>
+                  <a:pt x="2279460" y="4356805"/>
+                </a:cubicBezTo>
+                <a:cubicBezTo>
+                  <a:pt x="2148834" y="4439716"/>
+                  <a:pt x="2129094" y="4456088"/>
+                  <a:pt x="2029817" y="4468235"/>
+                </a:cubicBezTo>
+                <a:cubicBezTo>
+                  <a:pt x="1944474" y="4478796"/>
+                  <a:pt x="1644320" y="4710633"/>
+                  <a:pt x="1560137" y="4730172"/>
+                </a:cubicBezTo>
+                <a:cubicBezTo>
+                  <a:pt x="1485825" y="4747072"/>
+                  <a:pt x="1774947" y="4800410"/>
+                  <a:pt x="1956664" y="4820477"/>
+                </a:cubicBezTo>
+                <a:cubicBezTo>
+                  <a:pt x="2130256" y="4840017"/>
+                  <a:pt x="3101544" y="4789319"/>
+                  <a:pt x="3268168" y="4852692"/>
+                </a:cubicBezTo>
+                <a:cubicBezTo>
+                  <a:pt x="3111993" y="4878041"/>
+                  <a:pt x="2970336" y="4953030"/>
+                  <a:pt x="2807197" y="4939300"/>
+                </a:cubicBezTo>
+                <a:cubicBezTo>
+                  <a:pt x="2773524" y="4936660"/>
+                  <a:pt x="2724756" y="4930323"/>
+                  <a:pt x="2721272" y="4970458"/>
+                </a:cubicBezTo>
+                <a:cubicBezTo>
+                  <a:pt x="2718369" y="5005313"/>
+                  <a:pt x="2788038" y="4981548"/>
+                  <a:pt x="2802552" y="5014291"/>
+                </a:cubicBezTo>
+                <a:cubicBezTo>
+                  <a:pt x="2719531" y="5060235"/>
+                  <a:pt x="2621415" y="5018515"/>
+                  <a:pt x="2537812" y="5053898"/>
+                </a:cubicBezTo>
+                <a:cubicBezTo>
+                  <a:pt x="2491948" y="5099314"/>
+                  <a:pt x="2589483" y="5107236"/>
+                  <a:pt x="2569744" y="5153182"/>
+                </a:cubicBezTo>
+                <a:cubicBezTo>
+                  <a:pt x="2301522" y="5193845"/>
+                  <a:pt x="2252174" y="5268836"/>
+                  <a:pt x="1987436" y="5334320"/>
+                </a:cubicBezTo>
+                <a:cubicBezTo>
+                  <a:pt x="1971179" y="5338545"/>
+                  <a:pt x="1958407" y="5352274"/>
+                  <a:pt x="1972921" y="5382376"/>
+                </a:cubicBezTo>
+                <a:cubicBezTo>
+                  <a:pt x="2087874" y="5396107"/>
+                  <a:pt x="2215599" y="5373399"/>
+                  <a:pt x="2341001" y="5360725"/>
+                </a:cubicBezTo>
+                <a:cubicBezTo>
+                  <a:pt x="2537812" y="5340129"/>
+                  <a:pt x="2533748" y="5339072"/>
+                  <a:pt x="2710822" y="5418816"/>
+                </a:cubicBezTo>
+                <a:cubicBezTo>
+                  <a:pt x="2743914" y="5433602"/>
+                  <a:pt x="2801390" y="5438355"/>
+                  <a:pt x="2833903" y="5413007"/>
+                </a:cubicBezTo>
+                <a:cubicBezTo>
+                  <a:pt x="2896604" y="5364422"/>
+                  <a:pt x="2950016" y="5368646"/>
+                  <a:pt x="3011556" y="5399276"/>
+                </a:cubicBezTo>
+                <a:cubicBezTo>
+                  <a:pt x="3077160" y="5432547"/>
+                  <a:pt x="3171793" y="5391882"/>
+                  <a:pt x="3254233" y="5439412"/>
+                </a:cubicBezTo>
+                <a:cubicBezTo>
+                  <a:pt x="3099802" y="5473739"/>
+                  <a:pt x="2957563" y="5473739"/>
+                  <a:pt x="2792101" y="5471625"/>
+                </a:cubicBezTo>
+                <a:cubicBezTo>
+                  <a:pt x="2846095" y="5537639"/>
+                  <a:pt x="2914601" y="5536582"/>
+                  <a:pt x="2977303" y="5539751"/>
+                </a:cubicBezTo>
+                <a:cubicBezTo>
+                  <a:pt x="3214174" y="5551898"/>
+                  <a:pt x="3601411" y="5660686"/>
+                  <a:pt x="3656566" y="5678642"/>
+                </a:cubicBezTo>
+                <a:cubicBezTo>
+                  <a:pt x="4280675" y="5879847"/>
+                  <a:pt x="4178497" y="5898332"/>
+                  <a:pt x="4858340" y="5969625"/>
+                </a:cubicBezTo>
+                <a:cubicBezTo>
+                  <a:pt x="5261253" y="6011873"/>
+                  <a:pt x="4887368" y="6032469"/>
+                  <a:pt x="5296668" y="6043559"/>
+                </a:cubicBezTo>
+                <a:cubicBezTo>
+                  <a:pt x="5349500" y="6045143"/>
+                  <a:pt x="5402911" y="6044087"/>
+                  <a:pt x="5456323" y="6042502"/>
+                </a:cubicBezTo>
+                <a:cubicBezTo>
+                  <a:pt x="5368077" y="6073134"/>
+                  <a:pt x="5267058" y="6100066"/>
+                  <a:pt x="5267058" y="6100066"/>
+                </a:cubicBezTo>
+                <a:cubicBezTo>
+                  <a:pt x="5267058" y="6100066"/>
+                  <a:pt x="5318728" y="6208854"/>
+                  <a:pt x="7095266" y="6287541"/>
+                </a:cubicBezTo>
+                <a:cubicBezTo>
+                  <a:pt x="7422124" y="6302329"/>
+                  <a:pt x="9563254" y="6024548"/>
+                  <a:pt x="9707235" y="5994446"/>
+                </a:cubicBezTo>
+                <a:cubicBezTo>
+                  <a:pt x="9844249" y="5966984"/>
+                  <a:pt x="10002164" y="5671247"/>
+                  <a:pt x="10083442" y="5678642"/>
+                </a:cubicBezTo>
+                <a:cubicBezTo>
+                  <a:pt x="10103183" y="5653293"/>
+                  <a:pt x="10283158" y="5139979"/>
+                  <a:pt x="10338892" y="4650957"/>
+                </a:cubicBezTo>
+                <a:cubicBezTo>
+                  <a:pt x="10448618" y="4580718"/>
+                  <a:pt x="10551960" y="4503088"/>
+                  <a:pt x="10628013" y="4411198"/>
+                </a:cubicBezTo>
+                <a:cubicBezTo>
+                  <a:pt x="10675040" y="4354692"/>
+                  <a:pt x="10718003" y="4298185"/>
+                  <a:pt x="10802766" y="4258050"/>
+                </a:cubicBezTo>
+                <a:cubicBezTo>
+                  <a:pt x="10755739" y="4203128"/>
+                  <a:pt x="10675040" y="4190453"/>
+                  <a:pt x="10614662" y="4150318"/>
+                </a:cubicBezTo>
+                <a:cubicBezTo>
+                  <a:pt x="10610017" y="4117046"/>
+                  <a:pt x="10705811" y="4127081"/>
+                  <a:pt x="10681427" y="4054203"/>
+                </a:cubicBezTo>
+                <a:cubicBezTo>
+                  <a:pt x="10648335" y="3957032"/>
+                  <a:pt x="10684328" y="3846131"/>
+                  <a:pt x="10520029" y="3804411"/>
+                </a:cubicBezTo>
+                <a:cubicBezTo>
+                  <a:pt x="10476485" y="3709881"/>
+                  <a:pt x="10464294" y="3558845"/>
+                  <a:pt x="10568798" y="3466426"/>
+                </a:cubicBezTo>
+                <a:cubicBezTo>
+                  <a:pt x="10724388" y="3328592"/>
+                  <a:pt x="10699424" y="3240927"/>
+                  <a:pt x="10499709" y="3166465"/>
+                </a:cubicBezTo>
+                <a:cubicBezTo>
+                  <a:pt x="10474164" y="3156958"/>
+                  <a:pt x="10501452" y="2570768"/>
+                  <a:pt x="10489840" y="2546475"/>
+                </a:cubicBezTo>
+                <a:cubicBezTo>
+                  <a:pt x="10508418" y="2513205"/>
+                  <a:pt x="10551960" y="2521126"/>
+                  <a:pt x="10584471" y="2512148"/>
+                </a:cubicBezTo>
+                <a:cubicBezTo>
+                  <a:pt x="10726711" y="2474125"/>
+                  <a:pt x="10731357" y="2474125"/>
+                  <a:pt x="10695942" y="2358471"/>
+                </a:cubicBezTo>
+                <a:cubicBezTo>
+                  <a:pt x="10685490" y="2323616"/>
+                  <a:pt x="10709874" y="2309357"/>
+                  <a:pt x="10732516" y="2287706"/>
+                </a:cubicBezTo>
+                <a:cubicBezTo>
+                  <a:pt x="10817280" y="2206905"/>
+                  <a:pt x="10817860" y="2205850"/>
+                  <a:pt x="10731357" y="2137725"/>
+                </a:cubicBezTo>
+                <a:cubicBezTo>
+                  <a:pt x="10706391" y="2118185"/>
+                  <a:pt x="10689555" y="2097061"/>
+                  <a:pt x="10678525" y="2070656"/>
+                </a:cubicBezTo>
+                <a:cubicBezTo>
+                  <a:pt x="10658203" y="2022599"/>
+                  <a:pt x="10658784" y="1982463"/>
+                  <a:pt x="10735999" y="1956587"/>
+                </a:cubicBezTo>
+                <a:cubicBezTo>
+                  <a:pt x="10789993" y="1938104"/>
+                  <a:pt x="10820762" y="1916978"/>
+                  <a:pt x="10824246" y="1862584"/>
+                </a:cubicBezTo>
+                <a:cubicBezTo>
+                  <a:pt x="10826570" y="1817166"/>
+                  <a:pt x="10832955" y="1787594"/>
+                  <a:pt x="10773156" y="1768054"/>
+                </a:cubicBezTo>
+                <a:cubicBezTo>
+                  <a:pt x="10724969" y="1752211"/>
+                  <a:pt x="10711036" y="1718412"/>
+                  <a:pt x="10716261" y="1678278"/>
+                </a:cubicBezTo>
+                <a:cubicBezTo>
+                  <a:pt x="10728452" y="1580050"/>
+                  <a:pt x="10662849" y="1522487"/>
+                  <a:pt x="10554864" y="1477599"/>
+                </a:cubicBezTo>
+                <a:cubicBezTo>
+                  <a:pt x="10452101" y="1434822"/>
+                  <a:pt x="10362116" y="1377259"/>
+                  <a:pt x="10267483" y="1324977"/>
+                </a:cubicBezTo>
+                <a:cubicBezTo>
+                  <a:pt x="10162399" y="1266887"/>
+                  <a:pt x="10040481" y="1232031"/>
+                  <a:pt x="9913337" y="1202458"/>
+                </a:cubicBezTo>
+                <a:cubicBezTo>
+                  <a:pt x="9936561" y="1160210"/>
+                  <a:pt x="10016678" y="1183974"/>
+                  <a:pt x="10024805" y="1124827"/>
+                </a:cubicBezTo>
+                <a:cubicBezTo>
+                  <a:pt x="9826251" y="1074658"/>
+                  <a:pt x="9636408" y="999139"/>
+                  <a:pt x="9411726" y="980655"/>
+                </a:cubicBezTo>
+                <a:cubicBezTo>
+                  <a:pt x="9593444" y="990161"/>
+                  <a:pt x="9758326" y="922036"/>
+                  <a:pt x="9930753" y="901968"/>
+                </a:cubicBezTo>
+                <a:cubicBezTo>
+                  <a:pt x="9947008" y="868698"/>
+                  <a:pt x="9909273" y="877147"/>
+                  <a:pt x="9894178" y="871339"/>
+                </a:cubicBezTo>
+                <a:cubicBezTo>
+                  <a:pt x="9879083" y="865001"/>
+                  <a:pt x="9860506" y="862889"/>
+                  <a:pt x="9858182" y="839125"/>
+                </a:cubicBezTo>
+                <a:cubicBezTo>
+                  <a:pt x="9941205" y="804798"/>
+                  <a:pt x="10045126" y="827506"/>
+                  <a:pt x="10131050" y="792652"/>
+                </a:cubicBezTo>
+                <a:cubicBezTo>
+                  <a:pt x="10111891" y="741954"/>
+                  <a:pt x="10037578" y="772583"/>
+                  <a:pt x="10006808" y="731920"/>
+                </a:cubicBezTo>
+                <a:cubicBezTo>
+                  <a:pt x="10086927" y="724526"/>
+                  <a:pt x="10161239" y="721357"/>
+                  <a:pt x="10233809" y="710268"/>
+                </a:cubicBezTo>
+                <a:cubicBezTo>
+                  <a:pt x="10290705" y="701818"/>
+                  <a:pt x="10306380" y="658513"/>
+                  <a:pt x="10267483" y="628940"/>
+                </a:cubicBezTo>
+                <a:cubicBezTo>
+                  <a:pt x="10232648" y="602536"/>
+                  <a:pt x="10181559" y="600422"/>
+                  <a:pt x="10136275" y="589333"/>
+                </a:cubicBezTo>
+                <a:cubicBezTo>
+                  <a:pt x="9813479" y="512230"/>
+                  <a:pt x="9474428" y="487409"/>
+                  <a:pt x="9131312" y="480544"/>
+                </a:cubicBezTo>
+                <a:cubicBezTo>
+                  <a:pt x="8580936" y="469453"/>
+                  <a:pt x="8028817" y="469982"/>
+                  <a:pt x="7479600" y="454667"/>
+                </a:cubicBezTo>
+                <a:cubicBezTo>
+                  <a:pt x="7227489" y="447934"/>
+                  <a:pt x="6976357" y="436744"/>
+                  <a:pt x="6724001" y="434021"/>
+                </a:cubicBezTo>
+                <a:close/>
+                <a:moveTo>
+                  <a:pt x="0" y="0"/>
+                </a:moveTo>
+                <a:lnTo>
+                  <a:pt x="12192000" y="0"/>
+                </a:lnTo>
+                <a:lnTo>
+                  <a:pt x="12192000" y="6858000"/>
+                </a:lnTo>
+                <a:lnTo>
+                  <a:pt x="0" y="6858000"/>
+                </a:lnTo>
+                <a:close/>
+              </a:path>
+            </a:pathLst>
+          </a:custGeom>
           <a:solidFill>
-            <a:srgbClr val="FFFFFF"/>
+            <a:schemeClr val="bg2">
+              <a:alpha val="50000"/>
+            </a:schemeClr>
           </a:solidFill>
-          <a:ln>
+          <a:ln w="32707" cap="flat">
             <a:noFill/>
+            <a:prstDash val="solid"/>
+            <a:miter/>
           </a:ln>
         </p:spPr>
-        <p:style>
-          <a:lnRef idx="2">
-            <a:schemeClr val="accent1">
-              <a:shade val="50000"/>
-            </a:schemeClr>
-          </a:lnRef>
-          <a:fillRef idx="1">
-            <a:schemeClr val="accent1"/>
-          </a:fillRef>
-          <a:effectRef idx="0">
-            <a:schemeClr val="accent1"/>
-          </a:effectRef>
-          <a:fontRef idx="minor">
-            <a:schemeClr val="lt1"/>
-          </a:fontRef>
-        </p:style>
-        <p:txBody>
-          <a:bodyPr rtlCol="0" anchor="ctr"/>
+        <p:txBody>
+          <a:bodyPr wrap="square" rtlCol="0" anchor="ctr">
+            <a:noAutofit/>
+          </a:bodyPr>
           <a:lstStyle/>
           <a:p>
             <a:pPr algn="ctr"/>
@@ -3464,34 +4640,34 @@
       </p:sp>
       <p:pic>
         <p:nvPicPr>
-          <p:cNvPr id="2052" name="Picture 4" descr="Aprende inglés en tu dispositivo móvil con Hello English | Universo Digital  Noticias">
-            <a:extLst>
-              <a:ext uri="{FF2B5EF4-FFF2-40B4-BE49-F238E27FC236}">
-                <a16:creationId xmlns:a16="http://schemas.microsoft.com/office/drawing/2014/main" id="{1965949B-F61F-4AF4-A599-6821884EAD7F}"/>
+          <p:cNvPr id="1026" name="Picture 2" descr="Sara Ensan">
+            <a:extLst>
+              <a:ext uri="{FF2B5EF4-FFF2-40B4-BE49-F238E27FC236}">
+                <a16:creationId xmlns:a16="http://schemas.microsoft.com/office/drawing/2014/main" id="{8EE33721-66B8-47CF-93B8-FD1518881E7B}"/>
               </a:ext>
             </a:extLst>
           </p:cNvPr>
           <p:cNvPicPr>
-            <a:picLocks noChangeAspect="1" noChangeArrowheads="1"/>
+            <a:picLocks noChangeAspect="1" noChangeArrowheads="1" noCrop="1"/>
           </p:cNvPicPr>
           <p:nvPr/>
         </p:nvPicPr>
-        <p:blipFill rotWithShape="1">
+        <p:blipFill>
           <a:blip r:embed="rId2">
-            <a:alphaModFix amt="80000"/>
             <a:extLst>
               <a:ext uri="{28A0092B-C50C-407E-A947-70E740481C1C}">
                 <a14:useLocalDpi xmlns:a14="http://schemas.microsoft.com/office/drawing/2010/main" val="0"/>
               </a:ext>
             </a:extLst>
           </a:blip>
-          <a:srcRect b="2270"/>
-          <a:stretch/>
+          <a:stretch>
+            <a:fillRect/>
+          </a:stretch>
         </p:blipFill>
         <p:spPr bwMode="auto">
           <a:xfrm>
-            <a:off x="1188581" y="1419290"/>
-            <a:ext cx="7771497" cy="4272209"/>
+            <a:off x="3734938" y="1878842"/>
+            <a:ext cx="5791199" cy="2895599"/>
           </a:xfrm>
           <a:prstGeom prst="rect">
             <a:avLst/>
@@ -3508,42 +4684,6 @@
           </a:extLst>
         </p:spPr>
       </p:pic>
-      <p:sp>
-        <p:nvSpPr>
-          <p:cNvPr id="4" name="Marcador de contenido 3">
-            <a:extLst>
-              <a:ext uri="{FF2B5EF4-FFF2-40B4-BE49-F238E27FC236}">
-                <a16:creationId xmlns:a16="http://schemas.microsoft.com/office/drawing/2014/main" id="{69FBE1E0-BBE9-44E4-9E26-5889BDDE411D}"/>
-              </a:ext>
-            </a:extLst>
-          </p:cNvPr>
-          <p:cNvSpPr>
-            <a:spLocks noGrp="1"/>
-          </p:cNvSpPr>
-          <p:nvPr>
-            <p:ph idx="1"/>
-          </p:nvPr>
-        </p:nvSpPr>
-        <p:spPr>
-          <a:xfrm>
-            <a:off x="838200" y="3526300"/>
-            <a:ext cx="10165218" cy="2588458"/>
-          </a:xfrm>
-        </p:spPr>
-        <p:txBody>
-          <a:bodyPr>
-            <a:normAutofit/>
-          </a:bodyPr>
-          <a:lstStyle/>
-          <a:p>
-            <a:endParaRPr lang="es-ES" sz="2000">
-              <a:solidFill>
-                <a:srgbClr val="000000"/>
-              </a:solidFill>
-            </a:endParaRPr>
-          </a:p>
-        </p:txBody>
-      </p:sp>
     </p:spTree>
     <p:extLst>
       <p:ext uri="{BB962C8B-B14F-4D97-AF65-F5344CB8AC3E}">
@@ -3617,30 +4757,13 @@
         </p:nvSpPr>
         <p:spPr>
           <a:xfrm>
-            <a:off x="6684884" y="4421079"/>
+            <a:off x="7808997" y="4465467"/>
             <a:ext cx="4668915" cy="1755883"/>
           </a:xfrm>
         </p:spPr>
         <p:txBody>
           <a:bodyPr/>
           <a:lstStyle/>
-          <a:p>
-            <a:pPr marL="0" indent="0">
-              <a:buNone/>
-            </a:pPr>
-            <a:r>
-              <a:rPr lang="es-ES" dirty="0"/>
-              <a:t>Try </a:t>
-            </a:r>
-            <a:r>
-              <a:rPr lang="es-ES" dirty="0" err="1"/>
-              <a:t>it</a:t>
-            </a:r>
-            <a:r>
-              <a:rPr lang="es-ES" dirty="0"/>
-              <a:t>!!</a:t>
-            </a:r>
-          </a:p>
           <a:p>
             <a:pPr marL="0" indent="0">
               <a:buNone/>
@@ -3652,15 +4775,29 @@
               <a:buNone/>
             </a:pPr>
             <a:r>
-              <a:rPr lang="es-ES" dirty="0"/>
-              <a:t>http://192.168.1.61:8501</a:t>
-            </a:r>
+              <a:rPr lang="es-ES" sz="6000" b="1" dirty="0">
+                <a:latin typeface="Caviar Dreams" panose="020B0402020204020504" pitchFamily="34" charset="0"/>
+                <a:hlinkClick r:id="rId2" action="ppaction://hlinkfile"/>
+              </a:rPr>
+              <a:t>Try </a:t>
+            </a:r>
+            <a:r>
+              <a:rPr lang="es-ES" sz="6000" b="1" dirty="0" err="1">
+                <a:latin typeface="Caviar Dreams" panose="020B0402020204020504" pitchFamily="34" charset="0"/>
+                <a:hlinkClick r:id="rId2" action="ppaction://hlinkfile"/>
+              </a:rPr>
+              <a:t>it!</a:t>
+            </a:r>
+            <a:endParaRPr lang="es-ES" sz="6000" b="1" dirty="0">
+              <a:latin typeface="Caviar Dreams" panose="020B0402020204020504" pitchFamily="34" charset="0"/>
+            </a:endParaRPr>
           </a:p>
         </p:txBody>
       </p:sp>
       <p:pic>
         <p:nvPicPr>
           <p:cNvPr id="10242" name="Picture 2" descr="Thank You Kindly: Why Showing Thanks this Season is Important">
+            <a:hlinkClick r:id="rId3"/>
             <a:extLst>
               <a:ext uri="{FF2B5EF4-FFF2-40B4-BE49-F238E27FC236}">
                 <a16:creationId xmlns:a16="http://schemas.microsoft.com/office/drawing/2014/main" id="{49E95F2F-8919-4AB7-B3E4-BDA1855335B6}"/>
@@ -3673,7 +4810,7 @@
           <p:nvPr/>
         </p:nvPicPr>
         <p:blipFill>
-          <a:blip r:embed="rId2">
+          <a:blip r:embed="rId4">
             <a:extLst>
               <a:ext uri="{28A0092B-C50C-407E-A947-70E740481C1C}">
                 <a14:useLocalDpi xmlns:a14="http://schemas.microsoft.com/office/drawing/2010/main" val="0"/>
@@ -3687,7 +4824,7 @@
         </p:blipFill>
         <p:spPr bwMode="auto">
           <a:xfrm rot="1445196">
-            <a:off x="6544126" y="832711"/>
+            <a:off x="6695046" y="769814"/>
             <a:ext cx="5334740" cy="3334213"/>
           </a:xfrm>
           <a:prstGeom prst="rect">
@@ -3720,7 +4857,7 @@
           <p:nvPr/>
         </p:nvPicPr>
         <p:blipFill rotWithShape="1">
-          <a:blip r:embed="rId3">
+          <a:blip r:embed="rId5">
             <a:extLst>
               <a:ext uri="{28A0092B-C50C-407E-A947-70E740481C1C}">
                 <a14:useLocalDpi xmlns:a14="http://schemas.microsoft.com/office/drawing/2010/main" val="0"/>
@@ -3754,138 +4891,6 @@
     <p:extLst>
       <p:ext uri="{BB962C8B-B14F-4D97-AF65-F5344CB8AC3E}">
         <p14:creationId xmlns:p14="http://schemas.microsoft.com/office/powerpoint/2010/main" val="1668780388"/>
-      </p:ext>
-    </p:extLst>
-  </p:cSld>
-  <p:clrMapOvr>
-    <a:masterClrMapping/>
-  </p:clrMapOvr>
-</p:sld>
-</file>
-
-<file path=ppt/slides/slide11.xml><?xml version="1.0" encoding="utf-8"?>
-<p:sld xmlns:a="http://schemas.openxmlformats.org/drawingml/2006/main" xmlns:r="http://schemas.openxmlformats.org/officeDocument/2006/relationships" xmlns:p="http://schemas.openxmlformats.org/presentationml/2006/main">
-  <p:cSld>
-    <p:spTree>
-      <p:nvGrpSpPr>
-        <p:cNvPr id="1" name=""/>
-        <p:cNvGrpSpPr/>
-        <p:nvPr/>
-      </p:nvGrpSpPr>
-      <p:grpSpPr>
-        <a:xfrm>
-          <a:off x="0" y="0"/>
-          <a:ext cx="0" cy="0"/>
-          <a:chOff x="0" y="0"/>
-          <a:chExt cx="0" cy="0"/>
-        </a:xfrm>
-      </p:grpSpPr>
-      <p:sp>
-        <p:nvSpPr>
-          <p:cNvPr id="2" name="Título 1">
-            <a:extLst>
-              <a:ext uri="{FF2B5EF4-FFF2-40B4-BE49-F238E27FC236}">
-                <a16:creationId xmlns:a16="http://schemas.microsoft.com/office/drawing/2014/main" id="{7E5362CF-93B6-4715-8CFE-CA8DC731B9C3}"/>
-              </a:ext>
-            </a:extLst>
-          </p:cNvPr>
-          <p:cNvSpPr>
-            <a:spLocks noGrp="1"/>
-          </p:cNvSpPr>
-          <p:nvPr>
-            <p:ph type="title"/>
-          </p:nvPr>
-        </p:nvSpPr>
-        <p:spPr>
-          <a:xfrm>
-            <a:off x="630936" y="639520"/>
-            <a:ext cx="3429000" cy="1719072"/>
-          </a:xfrm>
-        </p:spPr>
-        <p:txBody>
-          <a:bodyPr anchor="b">
-            <a:normAutofit/>
-          </a:bodyPr>
-          <a:lstStyle/>
-          <a:p>
-            <a:endParaRPr lang="es-ES" sz="5400" dirty="0"/>
-          </a:p>
-        </p:txBody>
-      </p:sp>
-      <p:pic>
-        <p:nvPicPr>
-          <p:cNvPr id="4098" name="Picture 2" descr="Flat in black white design Coin and house Vector Image">
-            <a:extLst>
-              <a:ext uri="{FF2B5EF4-FFF2-40B4-BE49-F238E27FC236}">
-                <a16:creationId xmlns:a16="http://schemas.microsoft.com/office/drawing/2014/main" id="{3C1EBAD0-EB01-4244-B018-A833D2325821}"/>
-              </a:ext>
-            </a:extLst>
-          </p:cNvPr>
-          <p:cNvPicPr>
-            <a:picLocks noChangeAspect="1" noChangeArrowheads="1"/>
-          </p:cNvPicPr>
-          <p:nvPr/>
-        </p:nvPicPr>
-        <p:blipFill rotWithShape="1">
-          <a:blip r:embed="rId2">
-            <a:extLst>
-              <a:ext uri="{28A0092B-C50C-407E-A947-70E740481C1C}">
-                <a14:useLocalDpi xmlns:a14="http://schemas.microsoft.com/office/drawing/2010/main" val="0"/>
-              </a:ext>
-            </a:extLst>
-          </a:blip>
-          <a:srcRect l="133" t="-35" r="568" b="9003"/>
-          <a:stretch/>
-        </p:blipFill>
-        <p:spPr bwMode="auto">
-          <a:xfrm>
-            <a:off x="3078988" y="438911"/>
-            <a:ext cx="6034024" cy="5980177"/>
-          </a:xfrm>
-          <a:prstGeom prst="rect">
-            <a:avLst/>
-          </a:prstGeom>
-          <a:noFill/>
-          <a:extLst>
-            <a:ext uri="{909E8E84-426E-40DD-AFC4-6F175D3DCCD1}">
-              <a14:hiddenFill xmlns:a14="http://schemas.microsoft.com/office/drawing/2010/main">
-                <a:solidFill>
-                  <a:srgbClr val="FFFFFF"/>
-                </a:solidFill>
-              </a14:hiddenFill>
-            </a:ext>
-          </a:extLst>
-        </p:spPr>
-      </p:pic>
-      <p:sp>
-        <p:nvSpPr>
-          <p:cNvPr id="5" name="Marcador de contenido 4">
-            <a:extLst>
-              <a:ext uri="{FF2B5EF4-FFF2-40B4-BE49-F238E27FC236}">
-                <a16:creationId xmlns:a16="http://schemas.microsoft.com/office/drawing/2014/main" id="{ADCA6BAE-983D-496A-AE30-DFD1222B53BD}"/>
-              </a:ext>
-            </a:extLst>
-          </p:cNvPr>
-          <p:cNvSpPr>
-            <a:spLocks noGrp="1"/>
-          </p:cNvSpPr>
-          <p:nvPr>
-            <p:ph idx="1"/>
-          </p:nvPr>
-        </p:nvSpPr>
-        <p:spPr/>
-        <p:txBody>
-          <a:bodyPr/>
-          <a:lstStyle/>
-          <a:p>
-            <a:endParaRPr lang="es-ES"/>
-          </a:p>
-        </p:txBody>
-      </p:sp>
-    </p:spTree>
-    <p:extLst>
-      <p:ext uri="{BB962C8B-B14F-4D97-AF65-F5344CB8AC3E}">
-        <p14:creationId xmlns:p14="http://schemas.microsoft.com/office/powerpoint/2010/main" val="2658680535"/>
       </p:ext>
     </p:extLst>
   </p:cSld>
@@ -5335,19 +6340,7 @@
               <a:rPr lang="es-ES" sz="2000" dirty="0">
                 <a:latin typeface="Caviar Dreams" panose="020B0402020204020504" pitchFamily="34" charset="0"/>
               </a:rPr>
-              <a:t>Tiene una eficiencia del 92% y los valores pueden </a:t>
-            </a:r>
-            <a:r>
-              <a:rPr lang="es-ES" sz="2000" dirty="0" err="1">
-                <a:latin typeface="Caviar Dreams" panose="020B0402020204020504" pitchFamily="34" charset="0"/>
-              </a:rPr>
-              <a:t>pueden</a:t>
-            </a:r>
-            <a:r>
-              <a:rPr lang="es-ES" sz="2000" dirty="0">
-                <a:latin typeface="Caviar Dreams" panose="020B0402020204020504" pitchFamily="34" charset="0"/>
-              </a:rPr>
-              <a:t> variar en un orden de 50 000 €</a:t>
+              <a:t>Tiene una eficiencia del 92%.</a:t>
             </a:r>
           </a:p>
         </p:txBody>
